--- a/Lab/DataVisualization/PythonLabPlots.pptx
+++ b/Lab/DataVisualization/PythonLabPlots.pptx
@@ -3014,12 +3014,12 @@
         <p:spPr>
           <a:xfrm>
             <a:off x="602672" y="2031357"/>
-            <a:ext cx="6666229" cy="3206188"/>
+            <a:ext cx="6666229" cy="3466618"/>
           </a:xfrm>
         </p:spPr>
         <p:txBody>
           <a:bodyPr>
-            <a:normAutofit fontScale="92500" lnSpcReduction="10000"/>
+            <a:normAutofit lnSpcReduction="10000"/>
           </a:bodyPr>
           <a:lstStyle/>
           <a:p>
@@ -3031,22 +3031,32 @@
               <a:buAutoNum type="arabicPeriod"/>
             </a:pPr>
             <a:r>
-              <a:rPr lang="en-US" sz="2400" dirty="0"/>
+              <a:rPr lang="en-US" sz="2400" dirty="0">
+                <a:latin typeface="Times New Roman" panose="02020603050405020304" pitchFamily="18" charset="0"/>
+                <a:cs typeface="Times New Roman" panose="02020603050405020304" pitchFamily="18" charset="0"/>
+              </a:rPr>
               <a:t>In your browser, open </a:t>
             </a:r>
             <a:r>
               <a:rPr lang="en-US" sz="2400" dirty="0">
+                <a:latin typeface="Times New Roman" panose="02020603050405020304" pitchFamily="18" charset="0"/>
+                <a:cs typeface="Times New Roman" panose="02020603050405020304" pitchFamily="18" charset="0"/>
                 <a:hlinkClick r:id="rId2"/>
               </a:rPr>
               <a:t>https://</a:t>
             </a:r>
             <a:r>
               <a:rPr lang="en-US" sz="2400" dirty="0" smtClean="0">
+                <a:latin typeface="Times New Roman" panose="02020603050405020304" pitchFamily="18" charset="0"/>
+                <a:cs typeface="Times New Roman" panose="02020603050405020304" pitchFamily="18" charset="0"/>
                 <a:hlinkClick r:id="rId2"/>
               </a:rPr>
               <a:t>github.com/EmoryPython/Lab</a:t>
             </a:r>
-            <a:endParaRPr lang="en-US" sz="2400" dirty="0" smtClean="0"/>
+            <a:endParaRPr lang="en-US" sz="2400" dirty="0" smtClean="0">
+              <a:latin typeface="Times New Roman" panose="02020603050405020304" pitchFamily="18" charset="0"/>
+              <a:cs typeface="Times New Roman" panose="02020603050405020304" pitchFamily="18" charset="0"/>
+            </a:endParaRPr>
           </a:p>
           <a:p>
             <a:pPr marL="457200" indent="-457200">
@@ -3057,7 +3067,10 @@
               <a:buAutoNum type="arabicPeriod"/>
             </a:pPr>
             <a:r>
-              <a:rPr lang="en-US" sz="2400" dirty="0" smtClean="0"/>
+              <a:rPr lang="en-US" sz="2400" dirty="0" smtClean="0">
+                <a:latin typeface="Times New Roman" panose="02020603050405020304" pitchFamily="18" charset="0"/>
+                <a:cs typeface="Times New Roman" panose="02020603050405020304" pitchFamily="18" charset="0"/>
+              </a:rPr>
               <a:t>Click on the green ‘Clone or Download’ button and ‘Download ZIP’:</a:t>
             </a:r>
           </a:p>
@@ -3067,15 +3080,24 @@
               <a:buAutoNum type="arabicPeriod"/>
             </a:pPr>
             <a:r>
-              <a:rPr lang="en-US" sz="2400" dirty="0" smtClean="0"/>
+              <a:rPr lang="en-US" sz="2400" dirty="0" smtClean="0">
+                <a:latin typeface="Times New Roman" panose="02020603050405020304" pitchFamily="18" charset="0"/>
+                <a:cs typeface="Times New Roman" panose="02020603050405020304" pitchFamily="18" charset="0"/>
+              </a:rPr>
               <a:t>Create directory ‘</a:t>
             </a:r>
             <a:r>
-              <a:rPr lang="en-US" sz="2400" dirty="0" err="1" smtClean="0"/>
+              <a:rPr lang="en-US" sz="2400" dirty="0" err="1" smtClean="0">
+                <a:latin typeface="Times New Roman" panose="02020603050405020304" pitchFamily="18" charset="0"/>
+                <a:cs typeface="Times New Roman" panose="02020603050405020304" pitchFamily="18" charset="0"/>
+              </a:rPr>
               <a:t>PythonLab</a:t>
             </a:r>
             <a:r>
-              <a:rPr lang="en-US" sz="2400" dirty="0" smtClean="0"/>
+              <a:rPr lang="en-US" sz="2400" dirty="0" smtClean="0">
+                <a:latin typeface="Times New Roman" panose="02020603050405020304" pitchFamily="18" charset="0"/>
+                <a:cs typeface="Times New Roman" panose="02020603050405020304" pitchFamily="18" charset="0"/>
+              </a:rPr>
               <a:t>’ and extract the downloaded files into this directory</a:t>
             </a:r>
           </a:p>
@@ -3085,58 +3107,59 @@
               <a:buAutoNum type="arabicPeriod"/>
             </a:pPr>
             <a:r>
-              <a:rPr lang="en-US" sz="2400" dirty="0" smtClean="0"/>
+              <a:rPr lang="en-US" sz="2400" dirty="0" smtClean="0">
+                <a:latin typeface="Times New Roman" panose="02020603050405020304" pitchFamily="18" charset="0"/>
+                <a:cs typeface="Times New Roman" panose="02020603050405020304" pitchFamily="18" charset="0"/>
+              </a:rPr>
               <a:t>On </a:t>
             </a:r>
             <a:r>
-              <a:rPr lang="en-US" sz="2400" dirty="0" err="1" smtClean="0"/>
+              <a:rPr lang="en-US" sz="2400" dirty="0" err="1" smtClean="0">
+                <a:latin typeface="Times New Roman" panose="02020603050405020304" pitchFamily="18" charset="0"/>
+                <a:cs typeface="Times New Roman" panose="02020603050405020304" pitchFamily="18" charset="0"/>
+              </a:rPr>
               <a:t>Git</a:t>
             </a:r>
             <a:r>
-              <a:rPr lang="en-US" sz="2400" dirty="0" smtClean="0"/>
+              <a:rPr lang="en-US" sz="2400" dirty="0" smtClean="0">
+                <a:latin typeface="Times New Roman" panose="02020603050405020304" pitchFamily="18" charset="0"/>
+                <a:cs typeface="Times New Roman" panose="02020603050405020304" pitchFamily="18" charset="0"/>
+              </a:rPr>
               <a:t>, create your repository if you don’t already have one</a:t>
             </a:r>
             <a:r>
-              <a:rPr lang="en-US" sz="2400" dirty="0"/>
+              <a:rPr lang="en-US" sz="2400" dirty="0">
+                <a:latin typeface="Times New Roman" panose="02020603050405020304" pitchFamily="18" charset="0"/>
+                <a:cs typeface="Times New Roman" panose="02020603050405020304" pitchFamily="18" charset="0"/>
+              </a:rPr>
               <a:t>: </a:t>
             </a:r>
             <a:r>
               <a:rPr lang="en-US" sz="2400" dirty="0">
+                <a:latin typeface="Times New Roman" panose="02020603050405020304" pitchFamily="18" charset="0"/>
+                <a:cs typeface="Times New Roman" panose="02020603050405020304" pitchFamily="18" charset="0"/>
                 <a:hlinkClick r:id="rId3"/>
               </a:rPr>
               <a:t>https://github.com</a:t>
             </a:r>
             <a:r>
               <a:rPr lang="en-US" sz="2400" dirty="0" smtClean="0">
+                <a:latin typeface="Times New Roman" panose="02020603050405020304" pitchFamily="18" charset="0"/>
+                <a:cs typeface="Times New Roman" panose="02020603050405020304" pitchFamily="18" charset="0"/>
                 <a:hlinkClick r:id="rId3"/>
               </a:rPr>
               <a:t>/</a:t>
             </a:r>
-            <a:endParaRPr lang="en-US" sz="2400" dirty="0" smtClean="0"/>
-          </a:p>
-          <a:p>
-            <a:pPr marL="457200" indent="-457200">
-              <a:buFont typeface="+mj-lt"/>
-              <a:buAutoNum type="arabicPeriod"/>
-            </a:pPr>
-            <a:endParaRPr lang="en-US" sz="2400" dirty="0"/>
-          </a:p>
-          <a:p>
-            <a:pPr marL="457200" indent="-457200">
-              <a:buFont typeface="+mj-lt"/>
-              <a:buAutoNum type="arabicPeriod"/>
-            </a:pPr>
-            <a:endParaRPr lang="en-US" sz="2400" dirty="0" smtClean="0"/>
-          </a:p>
-          <a:p>
-            <a:pPr marL="457200" indent="-457200">
-              <a:buFont typeface="+mj-lt"/>
-              <a:buAutoNum type="arabicPeriod"/>
-            </a:pPr>
-            <a:endParaRPr lang="en-US" sz="2400" dirty="0" smtClean="0"/>
-          </a:p>
-          <a:p>
-            <a:endParaRPr lang="en-US" sz="2400" dirty="0"/>
+            <a:endParaRPr lang="en-US" sz="2400" dirty="0" smtClean="0">
+              <a:latin typeface="Times New Roman" panose="02020603050405020304" pitchFamily="18" charset="0"/>
+              <a:cs typeface="Times New Roman" panose="02020603050405020304" pitchFamily="18" charset="0"/>
+            </a:endParaRPr>
+          </a:p>
+          <a:p>
+            <a:endParaRPr lang="en-US" sz="2400" dirty="0">
+              <a:latin typeface="Times New Roman" panose="02020603050405020304" pitchFamily="18" charset="0"/>
+              <a:cs typeface="Times New Roman" panose="02020603050405020304" pitchFamily="18" charset="0"/>
+            </a:endParaRPr>
           </a:p>
         </p:txBody>
       </p:sp>
@@ -3238,56 +3261,83 @@
           <a:p>
             <a:r>
               <a:rPr lang="en-US" dirty="0">
+                <a:latin typeface="Times New Roman" panose="02020603050405020304" pitchFamily="18" charset="0"/>
+                <a:cs typeface="Times New Roman" panose="02020603050405020304" pitchFamily="18" charset="0"/>
                 <a:hlinkClick r:id="rId2"/>
               </a:rPr>
               <a:t>https://</a:t>
             </a:r>
             <a:r>
               <a:rPr lang="en-US" dirty="0" smtClean="0">
+                <a:latin typeface="Times New Roman" panose="02020603050405020304" pitchFamily="18" charset="0"/>
+                <a:cs typeface="Times New Roman" panose="02020603050405020304" pitchFamily="18" charset="0"/>
                 <a:hlinkClick r:id="rId2"/>
               </a:rPr>
               <a:t>matplotlib.org/tutorials/introductory/pyplot.html</a:t>
             </a:r>
-            <a:endParaRPr lang="en-US" dirty="0" smtClean="0"/>
+            <a:endParaRPr lang="en-US" dirty="0" smtClean="0">
+              <a:latin typeface="Times New Roman" panose="02020603050405020304" pitchFamily="18" charset="0"/>
+              <a:cs typeface="Times New Roman" panose="02020603050405020304" pitchFamily="18" charset="0"/>
+            </a:endParaRPr>
           </a:p>
           <a:p>
             <a:r>
               <a:rPr lang="en-US" dirty="0">
+                <a:latin typeface="Times New Roman" panose="02020603050405020304" pitchFamily="18" charset="0"/>
+                <a:cs typeface="Times New Roman" panose="02020603050405020304" pitchFamily="18" charset="0"/>
                 <a:hlinkClick r:id="rId3"/>
               </a:rPr>
               <a:t>https://</a:t>
             </a:r>
             <a:r>
               <a:rPr lang="en-US" dirty="0" smtClean="0">
+                <a:latin typeface="Times New Roman" panose="02020603050405020304" pitchFamily="18" charset="0"/>
+                <a:cs typeface="Times New Roman" panose="02020603050405020304" pitchFamily="18" charset="0"/>
                 <a:hlinkClick r:id="rId3"/>
               </a:rPr>
               <a:t>docs.scipy.org/doc/numpy/user/quickstart.html</a:t>
             </a:r>
-            <a:endParaRPr lang="en-US" dirty="0" smtClean="0"/>
+            <a:endParaRPr lang="en-US" dirty="0" smtClean="0">
+              <a:latin typeface="Times New Roman" panose="02020603050405020304" pitchFamily="18" charset="0"/>
+              <a:cs typeface="Times New Roman" panose="02020603050405020304" pitchFamily="18" charset="0"/>
+            </a:endParaRPr>
           </a:p>
           <a:p>
             <a:r>
               <a:rPr lang="en-US" dirty="0">
+                <a:latin typeface="Times New Roman" panose="02020603050405020304" pitchFamily="18" charset="0"/>
+                <a:cs typeface="Times New Roman" panose="02020603050405020304" pitchFamily="18" charset="0"/>
                 <a:hlinkClick r:id="rId4"/>
               </a:rPr>
               <a:t>https://</a:t>
             </a:r>
             <a:r>
               <a:rPr lang="en-US" dirty="0" smtClean="0">
+                <a:latin typeface="Times New Roman" panose="02020603050405020304" pitchFamily="18" charset="0"/>
+                <a:cs typeface="Times New Roman" panose="02020603050405020304" pitchFamily="18" charset="0"/>
                 <a:hlinkClick r:id="rId4"/>
               </a:rPr>
               <a:t>pandas.pydata.org/pandas-docs/stable/tutorials.html</a:t>
             </a:r>
-            <a:endParaRPr lang="en-US" dirty="0" smtClean="0"/>
-          </a:p>
-          <a:p>
-            <a:endParaRPr lang="en-US" dirty="0"/>
+            <a:endParaRPr lang="en-US" dirty="0" smtClean="0">
+              <a:latin typeface="Times New Roman" panose="02020603050405020304" pitchFamily="18" charset="0"/>
+              <a:cs typeface="Times New Roman" panose="02020603050405020304" pitchFamily="18" charset="0"/>
+            </a:endParaRPr>
+          </a:p>
+          <a:p>
+            <a:endParaRPr lang="en-US" dirty="0">
+              <a:latin typeface="Times New Roman" panose="02020603050405020304" pitchFamily="18" charset="0"/>
+              <a:cs typeface="Times New Roman" panose="02020603050405020304" pitchFamily="18" charset="0"/>
+            </a:endParaRPr>
           </a:p>
           <a:p>
             <a:pPr marL="0" indent="0">
               <a:buNone/>
             </a:pPr>
-            <a:endParaRPr lang="en-US" dirty="0"/>
+            <a:endParaRPr lang="en-US" dirty="0">
+              <a:latin typeface="Times New Roman" panose="02020603050405020304" pitchFamily="18" charset="0"/>
+              <a:cs typeface="Times New Roman" panose="02020603050405020304" pitchFamily="18" charset="0"/>
+            </a:endParaRPr>
           </a:p>
         </p:txBody>
       </p:sp>
@@ -3390,26 +3440,44 @@
               <a:buAutoNum type="arabicPeriod"/>
             </a:pPr>
             <a:r>
-              <a:rPr lang="en-US" sz="2400" dirty="0" smtClean="0"/>
+              <a:rPr lang="en-US" sz="2400" dirty="0" smtClean="0">
+                <a:latin typeface="Times New Roman" panose="02020603050405020304" pitchFamily="18" charset="0"/>
+                <a:cs typeface="Times New Roman" panose="02020603050405020304" pitchFamily="18" charset="0"/>
+              </a:rPr>
               <a:t>On Windows, open a </a:t>
             </a:r>
             <a:r>
-              <a:rPr lang="en-US" sz="2400" dirty="0" err="1" smtClean="0"/>
+              <a:rPr lang="en-US" sz="2400" dirty="0" err="1" smtClean="0">
+                <a:latin typeface="Times New Roman" panose="02020603050405020304" pitchFamily="18" charset="0"/>
+                <a:cs typeface="Times New Roman" panose="02020603050405020304" pitchFamily="18" charset="0"/>
+              </a:rPr>
               <a:t>cmd</a:t>
             </a:r>
             <a:r>
-              <a:rPr lang="en-US" sz="2400" dirty="0" smtClean="0"/>
+              <a:rPr lang="en-US" sz="2400" dirty="0" smtClean="0">
+                <a:latin typeface="Times New Roman" panose="02020603050405020304" pitchFamily="18" charset="0"/>
+                <a:cs typeface="Times New Roman" panose="02020603050405020304" pitchFamily="18" charset="0"/>
+              </a:rPr>
               <a:t> prompt window, change directories to the folder ‘</a:t>
             </a:r>
             <a:r>
-              <a:rPr lang="en-US" sz="2400" dirty="0" err="1" smtClean="0"/>
+              <a:rPr lang="en-US" sz="2400" dirty="0" err="1" smtClean="0">
+                <a:latin typeface="Times New Roman" panose="02020603050405020304" pitchFamily="18" charset="0"/>
+                <a:cs typeface="Times New Roman" panose="02020603050405020304" pitchFamily="18" charset="0"/>
+              </a:rPr>
               <a:t>PythonLab</a:t>
             </a:r>
             <a:r>
-              <a:rPr lang="en-US" sz="2400" dirty="0" smtClean="0"/>
+              <a:rPr lang="en-US" sz="2400" dirty="0" smtClean="0">
+                <a:latin typeface="Times New Roman" panose="02020603050405020304" pitchFamily="18" charset="0"/>
+                <a:cs typeface="Times New Roman" panose="02020603050405020304" pitchFamily="18" charset="0"/>
+              </a:rPr>
               <a:t>’ you just created</a:t>
             </a:r>
-            <a:endParaRPr lang="en-US" sz="2400" dirty="0"/>
+            <a:endParaRPr lang="en-US" sz="2400" dirty="0">
+              <a:latin typeface="Times New Roman" panose="02020603050405020304" pitchFamily="18" charset="0"/>
+              <a:cs typeface="Times New Roman" panose="02020603050405020304" pitchFamily="18" charset="0"/>
+            </a:endParaRPr>
           </a:p>
           <a:p>
             <a:pPr marL="457200" indent="-457200">
@@ -3419,7 +3487,10 @@
               <a:buFont typeface="+mj-lt"/>
               <a:buAutoNum type="arabicPeriod"/>
             </a:pPr>
-            <a:endParaRPr lang="en-US" sz="2400" dirty="0" smtClean="0"/>
+            <a:endParaRPr lang="en-US" sz="2400" dirty="0" smtClean="0">
+              <a:latin typeface="Times New Roman" panose="02020603050405020304" pitchFamily="18" charset="0"/>
+              <a:cs typeface="Times New Roman" panose="02020603050405020304" pitchFamily="18" charset="0"/>
+            </a:endParaRPr>
           </a:p>
           <a:p>
             <a:pPr marL="457200" indent="-457200">
@@ -3430,7 +3501,10 @@
               <a:buAutoNum type="arabicPeriod"/>
             </a:pPr>
             <a:r>
-              <a:rPr lang="en-US" sz="2400" dirty="0" smtClean="0"/>
+              <a:rPr lang="en-US" sz="2400" dirty="0" smtClean="0">
+                <a:latin typeface="Times New Roman" panose="02020603050405020304" pitchFamily="18" charset="0"/>
+                <a:cs typeface="Times New Roman" panose="02020603050405020304" pitchFamily="18" charset="0"/>
+              </a:rPr>
               <a:t>Type </a:t>
             </a:r>
             <a:r>
@@ -3438,6 +3512,8 @@
                 <a:solidFill>
                   <a:srgbClr val="FF0000"/>
                 </a:solidFill>
+                <a:latin typeface="Times New Roman" panose="02020603050405020304" pitchFamily="18" charset="0"/>
+                <a:cs typeface="Times New Roman" panose="02020603050405020304" pitchFamily="18" charset="0"/>
               </a:rPr>
               <a:t>git</a:t>
             </a:r>
@@ -3446,6 +3522,8 @@
                 <a:solidFill>
                   <a:srgbClr val="FF0000"/>
                 </a:solidFill>
+                <a:latin typeface="Times New Roman" panose="02020603050405020304" pitchFamily="18" charset="0"/>
+                <a:cs typeface="Times New Roman" panose="02020603050405020304" pitchFamily="18" charset="0"/>
               </a:rPr>
               <a:t> </a:t>
             </a:r>
@@ -3454,6 +3532,8 @@
                 <a:solidFill>
                   <a:srgbClr val="FF0000"/>
                 </a:solidFill>
+                <a:latin typeface="Times New Roman" panose="02020603050405020304" pitchFamily="18" charset="0"/>
+                <a:cs typeface="Times New Roman" panose="02020603050405020304" pitchFamily="18" charset="0"/>
               </a:rPr>
               <a:t>init</a:t>
             </a:r>
@@ -3462,19 +3542,30 @@
                 <a:solidFill>
                   <a:srgbClr val="FF0000"/>
                 </a:solidFill>
+                <a:latin typeface="Times New Roman" panose="02020603050405020304" pitchFamily="18" charset="0"/>
+                <a:cs typeface="Times New Roman" panose="02020603050405020304" pitchFamily="18" charset="0"/>
               </a:rPr>
               <a:t> </a:t>
             </a:r>
             <a:r>
-              <a:rPr lang="en-US" sz="2400" dirty="0" smtClean="0"/>
+              <a:rPr lang="en-US" sz="2400" dirty="0" smtClean="0">
+                <a:latin typeface="Times New Roman" panose="02020603050405020304" pitchFamily="18" charset="0"/>
+                <a:cs typeface="Times New Roman" panose="02020603050405020304" pitchFamily="18" charset="0"/>
+              </a:rPr>
               <a:t>to create local </a:t>
             </a:r>
             <a:r>
-              <a:rPr lang="en-US" sz="2400" dirty="0" err="1" smtClean="0"/>
+              <a:rPr lang="en-US" sz="2400" dirty="0" err="1" smtClean="0">
+                <a:latin typeface="Times New Roman" panose="02020603050405020304" pitchFamily="18" charset="0"/>
+                <a:cs typeface="Times New Roman" panose="02020603050405020304" pitchFamily="18" charset="0"/>
+              </a:rPr>
               <a:t>git</a:t>
             </a:r>
             <a:r>
-              <a:rPr lang="en-US" sz="2400" dirty="0" smtClean="0"/>
+              <a:rPr lang="en-US" sz="2400" dirty="0" smtClean="0">
+                <a:latin typeface="Times New Roman" panose="02020603050405020304" pitchFamily="18" charset="0"/>
+                <a:cs typeface="Times New Roman" panose="02020603050405020304" pitchFamily="18" charset="0"/>
+              </a:rPr>
               <a:t> repo</a:t>
             </a:r>
           </a:p>
@@ -3484,7 +3575,10 @@
               <a:buAutoNum type="arabicPeriod"/>
             </a:pPr>
             <a:r>
-              <a:rPr lang="en-US" sz="2400" dirty="0" smtClean="0"/>
+              <a:rPr lang="en-US" sz="2400" dirty="0" smtClean="0">
+                <a:latin typeface="Times New Roman" panose="02020603050405020304" pitchFamily="18" charset="0"/>
+                <a:cs typeface="Times New Roman" panose="02020603050405020304" pitchFamily="18" charset="0"/>
+              </a:rPr>
               <a:t>Type </a:t>
             </a:r>
             <a:r>
@@ -3492,6 +3586,8 @@
                 <a:solidFill>
                   <a:srgbClr val="FF0000"/>
                 </a:solidFill>
+                <a:latin typeface="Times New Roman" panose="02020603050405020304" pitchFamily="18" charset="0"/>
+                <a:cs typeface="Times New Roman" panose="02020603050405020304" pitchFamily="18" charset="0"/>
               </a:rPr>
               <a:t>git</a:t>
             </a:r>
@@ -3500,6 +3596,8 @@
                 <a:solidFill>
                   <a:srgbClr val="FF0000"/>
                 </a:solidFill>
+                <a:latin typeface="Times New Roman" panose="02020603050405020304" pitchFamily="18" charset="0"/>
+                <a:cs typeface="Times New Roman" panose="02020603050405020304" pitchFamily="18" charset="0"/>
               </a:rPr>
               <a:t> remote add origin &lt;your </a:t>
             </a:r>
@@ -3508,6 +3606,8 @@
                 <a:solidFill>
                   <a:srgbClr val="FF0000"/>
                 </a:solidFill>
+                <a:latin typeface="Times New Roman" panose="02020603050405020304" pitchFamily="18" charset="0"/>
+                <a:cs typeface="Times New Roman" panose="02020603050405020304" pitchFamily="18" charset="0"/>
               </a:rPr>
               <a:t>github</a:t>
             </a:r>
@@ -3516,6 +3616,8 @@
                 <a:solidFill>
                   <a:srgbClr val="FF0000"/>
                 </a:solidFill>
+                <a:latin typeface="Times New Roman" panose="02020603050405020304" pitchFamily="18" charset="0"/>
+                <a:cs typeface="Times New Roman" panose="02020603050405020304" pitchFamily="18" charset="0"/>
               </a:rPr>
               <a:t> repo </a:t>
             </a:r>
@@ -3524,6 +3626,8 @@
                 <a:solidFill>
                   <a:srgbClr val="FF0000"/>
                 </a:solidFill>
+                <a:latin typeface="Times New Roman" panose="02020603050405020304" pitchFamily="18" charset="0"/>
+                <a:cs typeface="Times New Roman" panose="02020603050405020304" pitchFamily="18" charset="0"/>
               </a:rPr>
               <a:t>url</a:t>
             </a:r>
@@ -3532,6 +3636,8 @@
                 <a:solidFill>
                   <a:srgbClr val="FF0000"/>
                 </a:solidFill>
+                <a:latin typeface="Times New Roman" panose="02020603050405020304" pitchFamily="18" charset="0"/>
+                <a:cs typeface="Times New Roman" panose="02020603050405020304" pitchFamily="18" charset="0"/>
               </a:rPr>
               <a:t>&gt;</a:t>
             </a:r>
@@ -3542,7 +3648,10 @@
               <a:buAutoNum type="arabicPeriod"/>
             </a:pPr>
             <a:r>
-              <a:rPr lang="en-US" sz="2400" dirty="0" smtClean="0"/>
+              <a:rPr lang="en-US" sz="2400" dirty="0" smtClean="0">
+                <a:latin typeface="Times New Roman" panose="02020603050405020304" pitchFamily="18" charset="0"/>
+                <a:cs typeface="Times New Roman" panose="02020603050405020304" pitchFamily="18" charset="0"/>
+              </a:rPr>
               <a:t>Type </a:t>
             </a:r>
             <a:r>
@@ -3550,6 +3659,8 @@
                 <a:solidFill>
                   <a:srgbClr val="FF0000"/>
                 </a:solidFill>
+                <a:latin typeface="Times New Roman" panose="02020603050405020304" pitchFamily="18" charset="0"/>
+                <a:cs typeface="Times New Roman" panose="02020603050405020304" pitchFamily="18" charset="0"/>
               </a:rPr>
               <a:t>git</a:t>
             </a:r>
@@ -3558,6 +3669,8 @@
                 <a:solidFill>
                   <a:srgbClr val="FF0000"/>
                 </a:solidFill>
+                <a:latin typeface="Times New Roman" panose="02020603050405020304" pitchFamily="18" charset="0"/>
+                <a:cs typeface="Times New Roman" panose="02020603050405020304" pitchFamily="18" charset="0"/>
               </a:rPr>
               <a:t> pull origin master</a:t>
             </a:r>
@@ -3568,7 +3681,10 @@
               <a:buAutoNum type="arabicPeriod"/>
             </a:pPr>
             <a:r>
-              <a:rPr lang="en-US" sz="2400" dirty="0" smtClean="0"/>
+              <a:rPr lang="en-US" sz="2400" dirty="0" smtClean="0">
+                <a:latin typeface="Times New Roman" panose="02020603050405020304" pitchFamily="18" charset="0"/>
+                <a:cs typeface="Times New Roman" panose="02020603050405020304" pitchFamily="18" charset="0"/>
+              </a:rPr>
               <a:t>Type </a:t>
             </a:r>
             <a:r>
@@ -3576,6 +3692,8 @@
                 <a:solidFill>
                   <a:srgbClr val="FF0000"/>
                 </a:solidFill>
+                <a:latin typeface="Times New Roman" panose="02020603050405020304" pitchFamily="18" charset="0"/>
+                <a:cs typeface="Times New Roman" panose="02020603050405020304" pitchFamily="18" charset="0"/>
               </a:rPr>
               <a:t>git</a:t>
             </a:r>
@@ -3584,11 +3702,16 @@
                 <a:solidFill>
                   <a:srgbClr val="FF0000"/>
                 </a:solidFill>
+                <a:latin typeface="Times New Roman" panose="02020603050405020304" pitchFamily="18" charset="0"/>
+                <a:cs typeface="Times New Roman" panose="02020603050405020304" pitchFamily="18" charset="0"/>
               </a:rPr>
               <a:t> add . </a:t>
             </a:r>
             <a:r>
-              <a:rPr lang="en-US" sz="2400" dirty="0" smtClean="0"/>
+              <a:rPr lang="en-US" sz="2400" dirty="0" smtClean="0">
+                <a:latin typeface="Times New Roman" panose="02020603050405020304" pitchFamily="18" charset="0"/>
+                <a:cs typeface="Times New Roman" panose="02020603050405020304" pitchFamily="18" charset="0"/>
+              </a:rPr>
               <a:t>to add all files in the current directory to the local repo</a:t>
             </a:r>
           </a:p>
@@ -3598,7 +3721,10 @@
               <a:buAutoNum type="arabicPeriod"/>
             </a:pPr>
             <a:r>
-              <a:rPr lang="en-US" sz="2400" dirty="0" smtClean="0"/>
+              <a:rPr lang="en-US" sz="2400" dirty="0" smtClean="0">
+                <a:latin typeface="Times New Roman" panose="02020603050405020304" pitchFamily="18" charset="0"/>
+                <a:cs typeface="Times New Roman" panose="02020603050405020304" pitchFamily="18" charset="0"/>
+              </a:rPr>
               <a:t>Type </a:t>
             </a:r>
             <a:r>
@@ -3606,6 +3732,8 @@
                 <a:solidFill>
                   <a:srgbClr val="FF0000"/>
                 </a:solidFill>
+                <a:latin typeface="Times New Roman" panose="02020603050405020304" pitchFamily="18" charset="0"/>
+                <a:cs typeface="Times New Roman" panose="02020603050405020304" pitchFamily="18" charset="0"/>
               </a:rPr>
               <a:t>git</a:t>
             </a:r>
@@ -3614,11 +3742,16 @@
                 <a:solidFill>
                   <a:srgbClr val="FF0000"/>
                 </a:solidFill>
+                <a:latin typeface="Times New Roman" panose="02020603050405020304" pitchFamily="18" charset="0"/>
+                <a:cs typeface="Times New Roman" panose="02020603050405020304" pitchFamily="18" charset="0"/>
               </a:rPr>
               <a:t> commit </a:t>
             </a:r>
             <a:r>
-              <a:rPr lang="en-US" sz="2400" dirty="0" smtClean="0"/>
+              <a:rPr lang="en-US" sz="2400" dirty="0" smtClean="0">
+                <a:latin typeface="Times New Roman" panose="02020603050405020304" pitchFamily="18" charset="0"/>
+                <a:cs typeface="Times New Roman" panose="02020603050405020304" pitchFamily="18" charset="0"/>
+              </a:rPr>
               <a:t>and enter a commit message</a:t>
             </a:r>
           </a:p>
@@ -3628,7 +3761,10 @@
               <a:buAutoNum type="arabicPeriod"/>
             </a:pPr>
             <a:r>
-              <a:rPr lang="en-US" sz="2400" dirty="0" smtClean="0"/>
+              <a:rPr lang="en-US" sz="2400" dirty="0" smtClean="0">
+                <a:latin typeface="Times New Roman" panose="02020603050405020304" pitchFamily="18" charset="0"/>
+                <a:cs typeface="Times New Roman" panose="02020603050405020304" pitchFamily="18" charset="0"/>
+              </a:rPr>
               <a:t>Type </a:t>
             </a:r>
             <a:r>
@@ -3636,6 +3772,8 @@
                 <a:solidFill>
                   <a:srgbClr val="FF0000"/>
                 </a:solidFill>
+                <a:latin typeface="Times New Roman" panose="02020603050405020304" pitchFamily="18" charset="0"/>
+                <a:cs typeface="Times New Roman" panose="02020603050405020304" pitchFamily="18" charset="0"/>
               </a:rPr>
               <a:t>git</a:t>
             </a:r>
@@ -3644,19 +3782,30 @@
                 <a:solidFill>
                   <a:srgbClr val="FF0000"/>
                 </a:solidFill>
+                <a:latin typeface="Times New Roman" panose="02020603050405020304" pitchFamily="18" charset="0"/>
+                <a:cs typeface="Times New Roman" panose="02020603050405020304" pitchFamily="18" charset="0"/>
               </a:rPr>
               <a:t> push –u origin master </a:t>
             </a:r>
             <a:r>
-              <a:rPr lang="en-US" sz="2400" dirty="0" smtClean="0"/>
+              <a:rPr lang="en-US" sz="2400" dirty="0" smtClean="0">
+                <a:latin typeface="Times New Roman" panose="02020603050405020304" pitchFamily="18" charset="0"/>
+                <a:cs typeface="Times New Roman" panose="02020603050405020304" pitchFamily="18" charset="0"/>
+              </a:rPr>
               <a:t>to push your files to your </a:t>
             </a:r>
             <a:r>
-              <a:rPr lang="en-US" sz="2400" dirty="0" err="1" smtClean="0"/>
+              <a:rPr lang="en-US" sz="2400" dirty="0" err="1" smtClean="0">
+                <a:latin typeface="Times New Roman" panose="02020603050405020304" pitchFamily="18" charset="0"/>
+                <a:cs typeface="Times New Roman" panose="02020603050405020304" pitchFamily="18" charset="0"/>
+              </a:rPr>
               <a:t>Github</a:t>
             </a:r>
             <a:r>
-              <a:rPr lang="en-US" sz="2400" dirty="0" smtClean="0"/>
+              <a:rPr lang="en-US" sz="2400" dirty="0" smtClean="0">
+                <a:latin typeface="Times New Roman" panose="02020603050405020304" pitchFamily="18" charset="0"/>
+                <a:cs typeface="Times New Roman" panose="02020603050405020304" pitchFamily="18" charset="0"/>
+              </a:rPr>
               <a:t> remote repo</a:t>
             </a:r>
           </a:p>
@@ -3666,36 +3815,32 @@
               <a:buAutoNum type="arabicPeriod"/>
             </a:pPr>
             <a:r>
-              <a:rPr lang="en-US" sz="2400" dirty="0" smtClean="0"/>
-              <a:t>Any changes to files in this folder can be pushed to the remote repo by repeating </a:t>
-            </a:r>
-            <a:r>
-              <a:rPr lang="en-US" sz="2400" smtClean="0"/>
-              <a:t>steps </a:t>
-            </a:r>
-            <a:r>
-              <a:rPr lang="en-US" sz="2400" b="1" smtClean="0">
+              <a:rPr lang="en-US" sz="2400" dirty="0" smtClean="0">
+                <a:latin typeface="Times New Roman" panose="02020603050405020304" pitchFamily="18" charset="0"/>
+                <a:cs typeface="Times New Roman" panose="02020603050405020304" pitchFamily="18" charset="0"/>
+              </a:rPr>
+              <a:t>Any changes to files in this folder can be pushed to the remote repo by repeating steps </a:t>
+            </a:r>
+            <a:r>
+              <a:rPr lang="en-US" sz="2400" b="1" dirty="0" smtClean="0">
                 <a:solidFill>
                   <a:srgbClr val="FF0000"/>
                 </a:solidFill>
+                <a:latin typeface="Times New Roman" panose="02020603050405020304" pitchFamily="18" charset="0"/>
+                <a:cs typeface="Times New Roman" panose="02020603050405020304" pitchFamily="18" charset="0"/>
               </a:rPr>
               <a:t>5-7</a:t>
             </a:r>
-            <a:endParaRPr lang="en-US" sz="2400" b="1" dirty="0" smtClean="0">
-              <a:solidFill>
-                <a:srgbClr val="FF0000"/>
-              </a:solidFill>
+            <a:endParaRPr lang="en-US" sz="2400" dirty="0" smtClean="0">
+              <a:latin typeface="Times New Roman" panose="02020603050405020304" pitchFamily="18" charset="0"/>
+              <a:cs typeface="Times New Roman" panose="02020603050405020304" pitchFamily="18" charset="0"/>
             </a:endParaRPr>
           </a:p>
           <a:p>
-            <a:pPr marL="457200" indent="-457200">
-              <a:buFont typeface="+mj-lt"/>
-              <a:buAutoNum type="arabicPeriod"/>
-            </a:pPr>
-            <a:endParaRPr lang="en-US" sz="2400" dirty="0" smtClean="0"/>
-          </a:p>
-          <a:p>
-            <a:endParaRPr lang="en-US" sz="2400" dirty="0"/>
+            <a:endParaRPr lang="en-US" sz="2400" dirty="0">
+              <a:latin typeface="Times New Roman" panose="02020603050405020304" pitchFamily="18" charset="0"/>
+              <a:cs typeface="Times New Roman" panose="02020603050405020304" pitchFamily="18" charset="0"/>
+            </a:endParaRPr>
           </a:p>
         </p:txBody>
       </p:sp>
@@ -3799,41 +3944,68 @@
           <a:lstStyle/>
           <a:p>
             <a:r>
-              <a:rPr lang="en-US" sz="2400" dirty="0" err="1" smtClean="0"/>
+              <a:rPr lang="en-US" sz="2400" dirty="0" err="1" smtClean="0">
+                <a:latin typeface="Times New Roman" panose="02020603050405020304" pitchFamily="18" charset="0"/>
+                <a:cs typeface="Times New Roman" panose="02020603050405020304" pitchFamily="18" charset="0"/>
+              </a:rPr>
               <a:t>Matplotlib</a:t>
             </a:r>
             <a:r>
-              <a:rPr lang="en-US" sz="2400" dirty="0" smtClean="0"/>
+              <a:rPr lang="en-US" sz="2400" dirty="0" smtClean="0">
+                <a:latin typeface="Times New Roman" panose="02020603050405020304" pitchFamily="18" charset="0"/>
+                <a:cs typeface="Times New Roman" panose="02020603050405020304" pitchFamily="18" charset="0"/>
+              </a:rPr>
               <a:t>, </a:t>
             </a:r>
             <a:r>
-              <a:rPr lang="en-US" sz="2400" dirty="0" err="1" smtClean="0"/>
+              <a:rPr lang="en-US" sz="2400" dirty="0" err="1" smtClean="0">
+                <a:latin typeface="Times New Roman" panose="02020603050405020304" pitchFamily="18" charset="0"/>
+                <a:cs typeface="Times New Roman" panose="02020603050405020304" pitchFamily="18" charset="0"/>
+              </a:rPr>
               <a:t>ggplot</a:t>
             </a:r>
             <a:r>
-              <a:rPr lang="en-US" sz="2400" dirty="0" smtClean="0"/>
+              <a:rPr lang="en-US" sz="2400" dirty="0" smtClean="0">
+                <a:latin typeface="Times New Roman" panose="02020603050405020304" pitchFamily="18" charset="0"/>
+                <a:cs typeface="Times New Roman" panose="02020603050405020304" pitchFamily="18" charset="0"/>
+              </a:rPr>
               <a:t>, </a:t>
             </a:r>
             <a:r>
-              <a:rPr lang="en-US" sz="2400" dirty="0" err="1" smtClean="0"/>
+              <a:rPr lang="en-US" sz="2400" dirty="0" err="1" smtClean="0">
+                <a:latin typeface="Times New Roman" panose="02020603050405020304" pitchFamily="18" charset="0"/>
+                <a:cs typeface="Times New Roman" panose="02020603050405020304" pitchFamily="18" charset="0"/>
+              </a:rPr>
               <a:t>plotly</a:t>
             </a:r>
             <a:r>
-              <a:rPr lang="en-US" sz="2400" dirty="0" smtClean="0"/>
+              <a:rPr lang="en-US" sz="2400" dirty="0" smtClean="0">
+                <a:latin typeface="Times New Roman" panose="02020603050405020304" pitchFamily="18" charset="0"/>
+                <a:cs typeface="Times New Roman" panose="02020603050405020304" pitchFamily="18" charset="0"/>
+              </a:rPr>
               <a:t> etc.</a:t>
             </a:r>
           </a:p>
           <a:p>
             <a:r>
-              <a:rPr lang="en-US" sz="2400" dirty="0" smtClean="0"/>
+              <a:rPr lang="en-US" sz="2400" dirty="0" smtClean="0">
+                <a:latin typeface="Times New Roman" panose="02020603050405020304" pitchFamily="18" charset="0"/>
+                <a:cs typeface="Times New Roman" panose="02020603050405020304" pitchFamily="18" charset="0"/>
+              </a:rPr>
               <a:t>We’ll use </a:t>
             </a:r>
             <a:r>
-              <a:rPr lang="en-US" sz="2400" dirty="0" err="1" smtClean="0"/>
+              <a:rPr lang="en-US" sz="2400" dirty="0" err="1" smtClean="0">
+                <a:latin typeface="Times New Roman" panose="02020603050405020304" pitchFamily="18" charset="0"/>
+                <a:cs typeface="Times New Roman" panose="02020603050405020304" pitchFamily="18" charset="0"/>
+              </a:rPr>
               <a:t>matplotlib</a:t>
             </a:r>
             <a:r>
-              <a:rPr lang="en-US" sz="2400" dirty="0" smtClean="0"/>
+              <a:rPr lang="en-US" sz="2400" dirty="0" smtClean="0">
+                <a:latin typeface="Times New Roman" panose="02020603050405020304" pitchFamily="18" charset="0"/>
+                <a:cs typeface="Times New Roman" panose="02020603050405020304" pitchFamily="18" charset="0"/>
+              </a:rPr>
               <a:t> to plot sample data sets – A simple line graph </a:t>
             </a:r>
           </a:p>
@@ -3841,7 +4013,10 @@
             <a:pPr marL="0" indent="0">
               <a:buNone/>
             </a:pPr>
-            <a:endParaRPr lang="en-US" sz="2400" dirty="0"/>
+            <a:endParaRPr lang="en-US" sz="2400" dirty="0">
+              <a:latin typeface="Times New Roman" panose="02020603050405020304" pitchFamily="18" charset="0"/>
+              <a:cs typeface="Times New Roman" panose="02020603050405020304" pitchFamily="18" charset="0"/>
+            </a:endParaRPr>
           </a:p>
         </p:txBody>
       </p:sp>
@@ -3969,97 +4144,160 @@
           <a:lstStyle/>
           <a:p>
             <a:r>
-              <a:rPr lang="en-US" sz="2400" dirty="0" smtClean="0"/>
+              <a:rPr lang="en-US" sz="2400" dirty="0" smtClean="0">
+                <a:latin typeface="Times New Roman" panose="02020603050405020304" pitchFamily="18" charset="0"/>
+                <a:cs typeface="Times New Roman" panose="02020603050405020304" pitchFamily="18" charset="0"/>
+              </a:rPr>
               <a:t>Pandas: Python Data </a:t>
             </a:r>
             <a:r>
-              <a:rPr lang="en-US" sz="2400" dirty="0"/>
+              <a:rPr lang="en-US" sz="2400" dirty="0">
+                <a:latin typeface="Times New Roman" panose="02020603050405020304" pitchFamily="18" charset="0"/>
+                <a:cs typeface="Times New Roman" panose="02020603050405020304" pitchFamily="18" charset="0"/>
+              </a:rPr>
               <a:t>Analysis Library </a:t>
             </a:r>
             <a:r>
-              <a:rPr lang="en-US" sz="2400" dirty="0" smtClean="0"/>
+              <a:rPr lang="en-US" sz="2400" dirty="0" smtClean="0">
+                <a:latin typeface="Times New Roman" panose="02020603050405020304" pitchFamily="18" charset="0"/>
+                <a:cs typeface="Times New Roman" panose="02020603050405020304" pitchFamily="18" charset="0"/>
+              </a:rPr>
               <a:t>(https</a:t>
             </a:r>
             <a:r>
-              <a:rPr lang="en-US" sz="2400" dirty="0"/>
+              <a:rPr lang="en-US" sz="2400" dirty="0">
+                <a:latin typeface="Times New Roman" panose="02020603050405020304" pitchFamily="18" charset="0"/>
+                <a:cs typeface="Times New Roman" panose="02020603050405020304" pitchFamily="18" charset="0"/>
+              </a:rPr>
               <a:t>://pandas.pydata.org</a:t>
             </a:r>
             <a:r>
-              <a:rPr lang="en-US" sz="2400" dirty="0" smtClean="0"/>
+              <a:rPr lang="en-US" sz="2400" dirty="0" smtClean="0">
+                <a:latin typeface="Times New Roman" panose="02020603050405020304" pitchFamily="18" charset="0"/>
+                <a:cs typeface="Times New Roman" panose="02020603050405020304" pitchFamily="18" charset="0"/>
+              </a:rPr>
               <a:t>/)</a:t>
             </a:r>
-            <a:endParaRPr lang="en-US" sz="2400" dirty="0"/>
-          </a:p>
-          <a:p>
-            <a:r>
-              <a:rPr lang="en-US" sz="2400" dirty="0" smtClean="0"/>
+            <a:endParaRPr lang="en-US" sz="2400" dirty="0">
+              <a:latin typeface="Times New Roman" panose="02020603050405020304" pitchFamily="18" charset="0"/>
+              <a:cs typeface="Times New Roman" panose="02020603050405020304" pitchFamily="18" charset="0"/>
+            </a:endParaRPr>
+          </a:p>
+          <a:p>
+            <a:r>
+              <a:rPr lang="en-US" sz="2400" dirty="0" smtClean="0">
+                <a:latin typeface="Times New Roman" panose="02020603050405020304" pitchFamily="18" charset="0"/>
+                <a:cs typeface="Times New Roman" panose="02020603050405020304" pitchFamily="18" charset="0"/>
+              </a:rPr>
               <a:t>Free library specifically tailored to data structuring and analysis</a:t>
             </a:r>
           </a:p>
           <a:p>
             <a:r>
-              <a:rPr lang="en-US" sz="2400" dirty="0" smtClean="0"/>
+              <a:rPr lang="en-US" sz="2400" dirty="0" smtClean="0">
+                <a:latin typeface="Times New Roman" panose="02020603050405020304" pitchFamily="18" charset="0"/>
+                <a:cs typeface="Times New Roman" panose="02020603050405020304" pitchFamily="18" charset="0"/>
+              </a:rPr>
               <a:t>Data input can be CSV or a SQL Database, and output is a Python object with rows and columns – a </a:t>
             </a:r>
             <a:r>
-              <a:rPr lang="en-US" sz="2400" b="1" dirty="0" err="1" smtClean="0"/>
+              <a:rPr lang="en-US" sz="2400" b="1" dirty="0" err="1" smtClean="0">
+                <a:latin typeface="Times New Roman" panose="02020603050405020304" pitchFamily="18" charset="0"/>
+                <a:cs typeface="Times New Roman" panose="02020603050405020304" pitchFamily="18" charset="0"/>
+              </a:rPr>
               <a:t>Dataframe</a:t>
             </a:r>
-            <a:endParaRPr lang="en-US" sz="2400" dirty="0" smtClean="0"/>
-          </a:p>
-          <a:p>
-            <a:r>
-              <a:rPr lang="en-US" sz="2400" dirty="0" smtClean="0"/>
+            <a:endParaRPr lang="en-US" sz="2400" dirty="0" smtClean="0">
+              <a:latin typeface="Times New Roman" panose="02020603050405020304" pitchFamily="18" charset="0"/>
+              <a:cs typeface="Times New Roman" panose="02020603050405020304" pitchFamily="18" charset="0"/>
+            </a:endParaRPr>
+          </a:p>
+          <a:p>
+            <a:r>
+              <a:rPr lang="en-US" sz="2400" dirty="0" smtClean="0">
+                <a:latin typeface="Times New Roman" panose="02020603050405020304" pitchFamily="18" charset="0"/>
+                <a:cs typeface="Times New Roman" panose="02020603050405020304" pitchFamily="18" charset="0"/>
+              </a:rPr>
               <a:t>The </a:t>
             </a:r>
             <a:r>
-              <a:rPr lang="en-US" sz="2400" dirty="0" err="1" smtClean="0"/>
+              <a:rPr lang="en-US" sz="2400" dirty="0" err="1" smtClean="0">
+                <a:latin typeface="Times New Roman" panose="02020603050405020304" pitchFamily="18" charset="0"/>
+                <a:cs typeface="Times New Roman" panose="02020603050405020304" pitchFamily="18" charset="0"/>
+              </a:rPr>
               <a:t>dataframe</a:t>
             </a:r>
             <a:r>
-              <a:rPr lang="en-US" sz="2400" dirty="0" smtClean="0"/>
+              <a:rPr lang="en-US" sz="2400" dirty="0" smtClean="0">
+                <a:latin typeface="Times New Roman" panose="02020603050405020304" pitchFamily="18" charset="0"/>
+                <a:cs typeface="Times New Roman" panose="02020603050405020304" pitchFamily="18" charset="0"/>
+              </a:rPr>
               <a:t> can be saved as a CSV, Excel, JSON or SQL table</a:t>
             </a:r>
           </a:p>
           <a:p>
-            <a:endParaRPr lang="en-US" sz="2400" dirty="0"/>
-          </a:p>
-          <a:p>
-            <a:endParaRPr lang="en-US" sz="2400" dirty="0" smtClean="0"/>
-          </a:p>
-          <a:p>
-            <a:r>
-              <a:rPr lang="en-US" sz="2400" dirty="0" smtClean="0"/>
+            <a:endParaRPr lang="en-US" sz="2400" dirty="0">
+              <a:latin typeface="Times New Roman" panose="02020603050405020304" pitchFamily="18" charset="0"/>
+              <a:cs typeface="Times New Roman" panose="02020603050405020304" pitchFamily="18" charset="0"/>
+            </a:endParaRPr>
+          </a:p>
+          <a:p>
+            <a:endParaRPr lang="en-US" sz="2400" dirty="0" smtClean="0">
+              <a:latin typeface="Times New Roman" panose="02020603050405020304" pitchFamily="18" charset="0"/>
+              <a:cs typeface="Times New Roman" panose="02020603050405020304" pitchFamily="18" charset="0"/>
+            </a:endParaRPr>
+          </a:p>
+          <a:p>
+            <a:r>
+              <a:rPr lang="en-US" sz="2400" dirty="0" smtClean="0">
+                <a:latin typeface="Times New Roman" panose="02020603050405020304" pitchFamily="18" charset="0"/>
+                <a:cs typeface="Times New Roman" panose="02020603050405020304" pitchFamily="18" charset="0"/>
+              </a:rPr>
               <a:t>Once read in, data can be transformed in multiple ways: </a:t>
             </a:r>
           </a:p>
           <a:p>
             <a:pPr lvl="1"/>
             <a:r>
-              <a:rPr lang="en-US" sz="2000" dirty="0"/>
+              <a:rPr lang="en-US" sz="2000" dirty="0">
+                <a:latin typeface="Times New Roman" panose="02020603050405020304" pitchFamily="18" charset="0"/>
+                <a:cs typeface="Times New Roman" panose="02020603050405020304" pitchFamily="18" charset="0"/>
+              </a:rPr>
               <a:t>M</a:t>
             </a:r>
             <a:r>
-              <a:rPr lang="en-US" sz="2000" dirty="0" smtClean="0"/>
+              <a:rPr lang="en-US" sz="2000" dirty="0" smtClean="0">
+                <a:latin typeface="Times New Roman" panose="02020603050405020304" pitchFamily="18" charset="0"/>
+                <a:cs typeface="Times New Roman" panose="02020603050405020304" pitchFamily="18" charset="0"/>
+              </a:rPr>
               <a:t>ean of columns</a:t>
             </a:r>
           </a:p>
           <a:p>
             <a:pPr lvl="1"/>
             <a:r>
-              <a:rPr lang="en-US" sz="2000" dirty="0" smtClean="0"/>
+              <a:rPr lang="en-US" sz="2000" dirty="0" smtClean="0">
+                <a:latin typeface="Times New Roman" panose="02020603050405020304" pitchFamily="18" charset="0"/>
+                <a:cs typeface="Times New Roman" panose="02020603050405020304" pitchFamily="18" charset="0"/>
+              </a:rPr>
               <a:t>Group, filter and sort</a:t>
             </a:r>
           </a:p>
           <a:p>
             <a:pPr lvl="1"/>
             <a:r>
-              <a:rPr lang="en-US" sz="2000" dirty="0" smtClean="0"/>
+              <a:rPr lang="en-US" sz="2000" dirty="0" smtClean="0">
+                <a:latin typeface="Times New Roman" panose="02020603050405020304" pitchFamily="18" charset="0"/>
+                <a:cs typeface="Times New Roman" panose="02020603050405020304" pitchFamily="18" charset="0"/>
+              </a:rPr>
               <a:t>Min, max, median of columns</a:t>
             </a:r>
           </a:p>
           <a:p>
-            <a:endParaRPr lang="en-US" sz="2400" dirty="0"/>
+            <a:endParaRPr lang="en-US" sz="2400" dirty="0">
+              <a:latin typeface="Times New Roman" panose="02020603050405020304" pitchFamily="18" charset="0"/>
+              <a:cs typeface="Times New Roman" panose="02020603050405020304" pitchFamily="18" charset="0"/>
+            </a:endParaRPr>
           </a:p>
         </p:txBody>
       </p:sp>
@@ -4352,10 +4590,82 @@
           </a:lstStyle>
           <a:p>
             <a:r>
-              <a:rPr lang="en-US" sz="2400" dirty="0" smtClean="0"/>
-              <a:t>Resample is a convenience method for resampling of a time series, and among the arguments, accepts one to indicate the periodicity – A being annual. A sum of submissions per year is calculated. </a:t>
-            </a:r>
-            <a:endParaRPr lang="en-US" sz="2400" dirty="0"/>
+              <a:rPr lang="en-US" sz="2400" dirty="0" smtClean="0">
+                <a:latin typeface="Times New Roman" panose="02020603050405020304" pitchFamily="18" charset="0"/>
+                <a:cs typeface="Times New Roman" panose="02020603050405020304" pitchFamily="18" charset="0"/>
+              </a:rPr>
+              <a:t>Resample is a convenience method for resampling of a time series, and </a:t>
+            </a:r>
+            <a:r>
+              <a:rPr lang="en-US" sz="2400" dirty="0" smtClean="0">
+                <a:latin typeface="Times New Roman" panose="02020603050405020304" pitchFamily="18" charset="0"/>
+                <a:cs typeface="Times New Roman" panose="02020603050405020304" pitchFamily="18" charset="0"/>
+              </a:rPr>
+              <a:t>accepts an argument to </a:t>
+            </a:r>
+            <a:r>
+              <a:rPr lang="en-US" sz="2400" dirty="0" smtClean="0">
+                <a:latin typeface="Times New Roman" panose="02020603050405020304" pitchFamily="18" charset="0"/>
+                <a:cs typeface="Times New Roman" panose="02020603050405020304" pitchFamily="18" charset="0"/>
+              </a:rPr>
+              <a:t>indicate the periodicity – </a:t>
+            </a:r>
+            <a:r>
+              <a:rPr lang="en-US" sz="2400" dirty="0" smtClean="0">
+                <a:latin typeface="Times New Roman" panose="02020603050405020304" pitchFamily="18" charset="0"/>
+                <a:cs typeface="Times New Roman" panose="02020603050405020304" pitchFamily="18" charset="0"/>
+              </a:rPr>
+              <a:t>‘</a:t>
+            </a:r>
+            <a:r>
+              <a:rPr lang="en-US" sz="2400" b="1" dirty="0" smtClean="0">
+                <a:solidFill>
+                  <a:srgbClr val="FF0000"/>
+                </a:solidFill>
+                <a:latin typeface="Times New Roman" panose="02020603050405020304" pitchFamily="18" charset="0"/>
+                <a:cs typeface="Times New Roman" panose="02020603050405020304" pitchFamily="18" charset="0"/>
+              </a:rPr>
+              <a:t>A</a:t>
+            </a:r>
+            <a:r>
+              <a:rPr lang="en-US" sz="2400" dirty="0" smtClean="0">
+                <a:latin typeface="Times New Roman" panose="02020603050405020304" pitchFamily="18" charset="0"/>
+                <a:cs typeface="Times New Roman" panose="02020603050405020304" pitchFamily="18" charset="0"/>
+              </a:rPr>
+              <a:t>’ </a:t>
+            </a:r>
+            <a:r>
+              <a:rPr lang="en-US" sz="2400" dirty="0" smtClean="0">
+                <a:latin typeface="Times New Roman" panose="02020603050405020304" pitchFamily="18" charset="0"/>
+                <a:cs typeface="Times New Roman" panose="02020603050405020304" pitchFamily="18" charset="0"/>
+              </a:rPr>
+              <a:t>being </a:t>
+            </a:r>
+            <a:r>
+              <a:rPr lang="en-US" sz="2400" dirty="0" smtClean="0">
+                <a:latin typeface="Times New Roman" panose="02020603050405020304" pitchFamily="18" charset="0"/>
+                <a:cs typeface="Times New Roman" panose="02020603050405020304" pitchFamily="18" charset="0"/>
+              </a:rPr>
+              <a:t>annual, which computes the sum </a:t>
+            </a:r>
+            <a:r>
+              <a:rPr lang="en-US" sz="2400" dirty="0" smtClean="0">
+                <a:latin typeface="Times New Roman" panose="02020603050405020304" pitchFamily="18" charset="0"/>
+                <a:cs typeface="Times New Roman" panose="02020603050405020304" pitchFamily="18" charset="0"/>
+              </a:rPr>
+              <a:t>of submissions per </a:t>
+            </a:r>
+            <a:r>
+              <a:rPr lang="en-US" sz="2400" dirty="0" smtClean="0">
+                <a:latin typeface="Times New Roman" panose="02020603050405020304" pitchFamily="18" charset="0"/>
+                <a:cs typeface="Times New Roman" panose="02020603050405020304" pitchFamily="18" charset="0"/>
+              </a:rPr>
+              <a:t>year. </a:t>
+            </a:r>
+            <a:endParaRPr lang="en-US" sz="2400" dirty="0">
+              <a:latin typeface="Times New Roman" panose="02020603050405020304" pitchFamily="18" charset="0"/>
+              <a:cs typeface="Times New Roman" panose="02020603050405020304" pitchFamily="18" charset="0"/>
+            </a:endParaRPr>
           </a:p>
         </p:txBody>
       </p:sp>
@@ -4434,20 +4744,32 @@
           <a:lstStyle/>
           <a:p>
             <a:r>
-              <a:rPr lang="en-US" sz="2400" dirty="0" smtClean="0"/>
+              <a:rPr lang="en-US" sz="2400" dirty="0" smtClean="0">
+                <a:latin typeface="Times New Roman" panose="02020603050405020304" pitchFamily="18" charset="0"/>
+                <a:cs typeface="Times New Roman" panose="02020603050405020304" pitchFamily="18" charset="0"/>
+              </a:rPr>
               <a:t>Once the data is ready, we can plot it using </a:t>
             </a:r>
             <a:r>
-              <a:rPr lang="en-US" sz="2400" dirty="0" err="1" smtClean="0"/>
+              <a:rPr lang="en-US" sz="2400" dirty="0" err="1" smtClean="0">
+                <a:latin typeface="Times New Roman" panose="02020603050405020304" pitchFamily="18" charset="0"/>
+                <a:cs typeface="Times New Roman" panose="02020603050405020304" pitchFamily="18" charset="0"/>
+              </a:rPr>
               <a:t>Matplotlib</a:t>
             </a:r>
             <a:r>
-              <a:rPr lang="en-US" sz="2400" dirty="0" smtClean="0"/>
+              <a:rPr lang="en-US" sz="2400" dirty="0" smtClean="0">
+                <a:latin typeface="Times New Roman" panose="02020603050405020304" pitchFamily="18" charset="0"/>
+                <a:cs typeface="Times New Roman" panose="02020603050405020304" pitchFamily="18" charset="0"/>
+              </a:rPr>
               <a:t>:</a:t>
             </a:r>
           </a:p>
           <a:p>
-            <a:endParaRPr lang="en-US" sz="2400" dirty="0"/>
+            <a:endParaRPr lang="en-US" sz="2400" dirty="0">
+              <a:latin typeface="Times New Roman" panose="02020603050405020304" pitchFamily="18" charset="0"/>
+              <a:cs typeface="Times New Roman" panose="02020603050405020304" pitchFamily="18" charset="0"/>
+            </a:endParaRPr>
           </a:p>
         </p:txBody>
       </p:sp>
@@ -4467,7 +4789,7 @@
         </p:blipFill>
         <p:spPr>
           <a:xfrm>
-            <a:off x="1076557" y="1831014"/>
+            <a:off x="1076557" y="1987273"/>
             <a:ext cx="7532146" cy="1334631"/>
           </a:xfrm>
           <a:prstGeom prst="rect">
@@ -4815,18 +5137,47 @@
           </a:lstStyle>
           <a:p>
             <a:r>
-              <a:rPr lang="en-US" sz="2400" dirty="0" smtClean="0"/>
-              <a:t>Binned data such as Age, is best represented using a Histogram. </a:t>
-            </a:r>
-            <a:r>
-              <a:rPr lang="en-US" sz="2400" dirty="0" err="1" smtClean="0"/>
+              <a:rPr lang="en-US" sz="2400" dirty="0" smtClean="0">
+                <a:latin typeface="Times New Roman" panose="02020603050405020304" pitchFamily="18" charset="0"/>
+                <a:cs typeface="Times New Roman" panose="02020603050405020304" pitchFamily="18" charset="0"/>
+              </a:rPr>
+              <a:t>Binned data such as </a:t>
+            </a:r>
+            <a:r>
+              <a:rPr lang="en-US" sz="2400" b="1" dirty="0" smtClean="0">
+                <a:solidFill>
+                  <a:srgbClr val="FF0000"/>
+                </a:solidFill>
+                <a:latin typeface="Times New Roman" panose="02020603050405020304" pitchFamily="18" charset="0"/>
+                <a:cs typeface="Times New Roman" panose="02020603050405020304" pitchFamily="18" charset="0"/>
+              </a:rPr>
+              <a:t>Age</a:t>
+            </a:r>
+            <a:r>
+              <a:rPr lang="en-US" sz="2400" dirty="0" smtClean="0">
+                <a:latin typeface="Times New Roman" panose="02020603050405020304" pitchFamily="18" charset="0"/>
+                <a:cs typeface="Times New Roman" panose="02020603050405020304" pitchFamily="18" charset="0"/>
+              </a:rPr>
+              <a:t>, is best represented using a Histogram. </a:t>
+            </a:r>
+            <a:r>
+              <a:rPr lang="en-US" sz="2400" dirty="0" err="1" smtClean="0">
+                <a:latin typeface="Times New Roman" panose="02020603050405020304" pitchFamily="18" charset="0"/>
+                <a:cs typeface="Times New Roman" panose="02020603050405020304" pitchFamily="18" charset="0"/>
+              </a:rPr>
               <a:t>Matplotlib</a:t>
             </a:r>
             <a:r>
-              <a:rPr lang="en-US" sz="2400" dirty="0" smtClean="0"/>
+              <a:rPr lang="en-US" sz="2400" dirty="0" smtClean="0">
+                <a:latin typeface="Times New Roman" panose="02020603050405020304" pitchFamily="18" charset="0"/>
+                <a:cs typeface="Times New Roman" panose="02020603050405020304" pitchFamily="18" charset="0"/>
+              </a:rPr>
               <a:t> can be used to automatically bin continuous data and display the distribution using a Histogram.</a:t>
             </a:r>
-            <a:endParaRPr lang="en-US" sz="2400" dirty="0"/>
+            <a:endParaRPr lang="en-US" sz="2400" dirty="0">
+              <a:latin typeface="Times New Roman" panose="02020603050405020304" pitchFamily="18" charset="0"/>
+              <a:cs typeface="Times New Roman" panose="02020603050405020304" pitchFamily="18" charset="0"/>
+            </a:endParaRPr>
           </a:p>
         </p:txBody>
       </p:sp>
@@ -4927,7 +5278,7 @@
         </p:blipFill>
         <p:spPr>
           <a:xfrm>
-            <a:off x="838200" y="1316478"/>
+            <a:off x="571982" y="1511411"/>
             <a:ext cx="8185225" cy="1855076"/>
           </a:xfrm>
           <a:prstGeom prst="rect">
@@ -5146,19 +5497,28 @@
           </a:lstStyle>
           <a:p>
             <a:r>
-              <a:rPr lang="en-US" sz="2400" dirty="0" smtClean="0"/>
+              <a:rPr lang="en-US" sz="2400" dirty="0" smtClean="0">
+                <a:latin typeface="Times New Roman" panose="02020603050405020304" pitchFamily="18" charset="0"/>
+                <a:cs typeface="Times New Roman" panose="02020603050405020304" pitchFamily="18" charset="0"/>
+              </a:rPr>
               <a:t>n is the number of items per bin</a:t>
             </a:r>
           </a:p>
           <a:p>
             <a:r>
-              <a:rPr lang="en-US" sz="2400" dirty="0" smtClean="0"/>
+              <a:rPr lang="en-US" sz="2400" dirty="0" smtClean="0">
+                <a:latin typeface="Times New Roman" panose="02020603050405020304" pitchFamily="18" charset="0"/>
+                <a:cs typeface="Times New Roman" panose="02020603050405020304" pitchFamily="18" charset="0"/>
+              </a:rPr>
               <a:t>bins is the left edge of each bin</a:t>
             </a:r>
           </a:p>
           <a:p>
             <a:r>
-              <a:rPr lang="en-US" sz="2400" dirty="0" smtClean="0"/>
+              <a:rPr lang="en-US" sz="2400" dirty="0" smtClean="0">
+                <a:latin typeface="Times New Roman" panose="02020603050405020304" pitchFamily="18" charset="0"/>
+                <a:cs typeface="Times New Roman" panose="02020603050405020304" pitchFamily="18" charset="0"/>
+              </a:rPr>
               <a:t>patches are the rectangles that are displayed on the histogram, and can be used to control their properties, such as color, border etc.</a:t>
             </a:r>
           </a:p>
@@ -5217,52 +5577,74 @@
           <a:lstStyle/>
           <a:p>
             <a:r>
-              <a:rPr lang="en-US" sz="2400" dirty="0" smtClean="0"/>
-              <a:t>Identify </a:t>
-            </a:r>
-            <a:r>
-              <a:rPr lang="en-US" sz="2400" dirty="0" smtClean="0"/>
-              <a:t>rows </a:t>
-            </a:r>
-            <a:r>
-              <a:rPr lang="en-US" sz="2400" dirty="0" smtClean="0"/>
-              <a:t>with High Resting BP (&gt;120 mm Hg) using apply and a lambda function</a:t>
-            </a:r>
-          </a:p>
-          <a:p>
-            <a:endParaRPr lang="en-US" sz="2400" dirty="0"/>
-          </a:p>
-          <a:p>
-            <a:r>
-              <a:rPr lang="en-US" sz="2400" dirty="0" smtClean="0"/>
+              <a:rPr lang="en-US" sz="2400" dirty="0" smtClean="0">
+                <a:latin typeface="Times New Roman" panose="02020603050405020304" pitchFamily="18" charset="0"/>
+                <a:cs typeface="Times New Roman" panose="02020603050405020304" pitchFamily="18" charset="0"/>
+              </a:rPr>
+              <a:t>Identify rows with High Resting BP (&gt;120 mm Hg) using apply and a lambda function</a:t>
+            </a:r>
+          </a:p>
+          <a:p>
+            <a:endParaRPr lang="en-US" sz="2400" dirty="0">
+              <a:latin typeface="Times New Roman" panose="02020603050405020304" pitchFamily="18" charset="0"/>
+              <a:cs typeface="Times New Roman" panose="02020603050405020304" pitchFamily="18" charset="0"/>
+            </a:endParaRPr>
+          </a:p>
+          <a:p>
+            <a:r>
+              <a:rPr lang="en-US" sz="2400" dirty="0" smtClean="0">
+                <a:latin typeface="Times New Roman" panose="02020603050405020304" pitchFamily="18" charset="0"/>
+                <a:cs typeface="Times New Roman" panose="02020603050405020304" pitchFamily="18" charset="0"/>
+              </a:rPr>
               <a:t>Filter rows in a </a:t>
             </a:r>
             <a:r>
-              <a:rPr lang="en-US" sz="2400" dirty="0" err="1" smtClean="0"/>
+              <a:rPr lang="en-US" sz="2400" dirty="0" err="1" smtClean="0">
+                <a:latin typeface="Times New Roman" panose="02020603050405020304" pitchFamily="18" charset="0"/>
+                <a:cs typeface="Times New Roman" panose="02020603050405020304" pitchFamily="18" charset="0"/>
+              </a:rPr>
               <a:t>dataframe</a:t>
             </a:r>
             <a:r>
-              <a:rPr lang="en-US" sz="2400" dirty="0" smtClean="0"/>
+              <a:rPr lang="en-US" sz="2400" dirty="0" smtClean="0">
+                <a:latin typeface="Times New Roman" panose="02020603050405020304" pitchFamily="18" charset="0"/>
+                <a:cs typeface="Times New Roman" panose="02020603050405020304" pitchFamily="18" charset="0"/>
+              </a:rPr>
               <a:t> based on a condition(s)</a:t>
             </a:r>
           </a:p>
           <a:p>
-            <a:endParaRPr lang="en-US" sz="2400" dirty="0"/>
-          </a:p>
-          <a:p>
-            <a:endParaRPr lang="en-US" sz="2400" dirty="0" smtClean="0"/>
-          </a:p>
-          <a:p>
-            <a:endParaRPr lang="en-US" sz="2400" dirty="0"/>
-          </a:p>
-          <a:p>
-            <a:r>
-              <a:rPr lang="en-US" sz="2400" dirty="0" smtClean="0"/>
+            <a:endParaRPr lang="en-US" sz="2400" dirty="0">
+              <a:latin typeface="Times New Roman" panose="02020603050405020304" pitchFamily="18" charset="0"/>
+              <a:cs typeface="Times New Roman" panose="02020603050405020304" pitchFamily="18" charset="0"/>
+            </a:endParaRPr>
+          </a:p>
+          <a:p>
+            <a:endParaRPr lang="en-US" sz="2400" dirty="0" smtClean="0">
+              <a:latin typeface="Times New Roman" panose="02020603050405020304" pitchFamily="18" charset="0"/>
+              <a:cs typeface="Times New Roman" panose="02020603050405020304" pitchFamily="18" charset="0"/>
+            </a:endParaRPr>
+          </a:p>
+          <a:p>
+            <a:endParaRPr lang="en-US" sz="2400" dirty="0">
+              <a:latin typeface="Times New Roman" panose="02020603050405020304" pitchFamily="18" charset="0"/>
+              <a:cs typeface="Times New Roman" panose="02020603050405020304" pitchFamily="18" charset="0"/>
+            </a:endParaRPr>
+          </a:p>
+          <a:p>
+            <a:r>
+              <a:rPr lang="en-US" sz="2400" dirty="0" smtClean="0">
+                <a:latin typeface="Times New Roman" panose="02020603050405020304" pitchFamily="18" charset="0"/>
+                <a:cs typeface="Times New Roman" panose="02020603050405020304" pitchFamily="18" charset="0"/>
+              </a:rPr>
               <a:t>Calculate column level stats</a:t>
             </a:r>
           </a:p>
           <a:p>
-            <a:endParaRPr lang="en-US" sz="2400" dirty="0"/>
+            <a:endParaRPr lang="en-US" sz="2400" dirty="0">
+              <a:latin typeface="Times New Roman" panose="02020603050405020304" pitchFamily="18" charset="0"/>
+              <a:cs typeface="Times New Roman" panose="02020603050405020304" pitchFamily="18" charset="0"/>
+            </a:endParaRPr>
           </a:p>
         </p:txBody>
       </p:sp>

--- a/Lab/DataVisualization/PythonLabPlots.pptx
+++ b/Lab/DataVisualization/PythonLabPlots.pptx
@@ -2978,6 +2978,30 @@
           <a:chExt cx="0" cy="0"/>
         </a:xfrm>
       </p:grpSpPr>
+      <p:pic>
+        <p:nvPicPr>
+          <p:cNvPr id="4" name="Picture 3"/>
+          <p:cNvPicPr>
+            <a:picLocks noChangeAspect="1"/>
+          </p:cNvPicPr>
+          <p:nvPr/>
+        </p:nvPicPr>
+        <p:blipFill>
+          <a:blip r:embed="rId2"/>
+          <a:stretch>
+            <a:fillRect/>
+          </a:stretch>
+        </p:blipFill>
+        <p:spPr>
+          <a:xfrm>
+            <a:off x="6196676" y="2315208"/>
+            <a:ext cx="5579792" cy="2898915"/>
+          </a:xfrm>
+          <a:prstGeom prst="rect">
+            <a:avLst/>
+          </a:prstGeom>
+        </p:spPr>
+      </p:pic>
       <p:sp>
         <p:nvSpPr>
           <p:cNvPr id="2" name="Title 1"/>
@@ -3013,13 +3037,13 @@
         </p:nvSpPr>
         <p:spPr>
           <a:xfrm>
-            <a:off x="602672" y="2031357"/>
-            <a:ext cx="6666229" cy="3466618"/>
+            <a:off x="602673" y="2031356"/>
+            <a:ext cx="5693956" cy="4207397"/>
           </a:xfrm>
         </p:spPr>
         <p:txBody>
           <a:bodyPr>
-            <a:normAutofit lnSpcReduction="10000"/>
+            <a:normAutofit/>
           </a:bodyPr>
           <a:lstStyle/>
           <a:p>
@@ -3041,7 +3065,7 @@
               <a:rPr lang="en-US" sz="2400" dirty="0">
                 <a:latin typeface="Times New Roman" panose="02020603050405020304" pitchFamily="18" charset="0"/>
                 <a:cs typeface="Times New Roman" panose="02020603050405020304" pitchFamily="18" charset="0"/>
-                <a:hlinkClick r:id="rId2"/>
+                <a:hlinkClick r:id="rId3"/>
               </a:rPr>
               <a:t>https://</a:t>
             </a:r>
@@ -3049,7 +3073,7 @@
               <a:rPr lang="en-US" sz="2400" dirty="0" smtClean="0">
                 <a:latin typeface="Times New Roman" panose="02020603050405020304" pitchFamily="18" charset="0"/>
                 <a:cs typeface="Times New Roman" panose="02020603050405020304" pitchFamily="18" charset="0"/>
-                <a:hlinkClick r:id="rId2"/>
+                <a:hlinkClick r:id="rId3"/>
               </a:rPr>
               <a:t>github.com/EmoryPython/Lab</a:t>
             </a:r>
@@ -3138,7 +3162,7 @@
               <a:rPr lang="en-US" sz="2400" dirty="0">
                 <a:latin typeface="Times New Roman" panose="02020603050405020304" pitchFamily="18" charset="0"/>
                 <a:cs typeface="Times New Roman" panose="02020603050405020304" pitchFamily="18" charset="0"/>
-                <a:hlinkClick r:id="rId3"/>
+                <a:hlinkClick r:id="rId4"/>
               </a:rPr>
               <a:t>https://github.com</a:t>
             </a:r>
@@ -3146,7 +3170,7 @@
               <a:rPr lang="en-US" sz="2400" dirty="0" smtClean="0">
                 <a:latin typeface="Times New Roman" panose="02020603050405020304" pitchFamily="18" charset="0"/>
                 <a:cs typeface="Times New Roman" panose="02020603050405020304" pitchFamily="18" charset="0"/>
-                <a:hlinkClick r:id="rId3"/>
+                <a:hlinkClick r:id="rId4"/>
               </a:rPr>
               <a:t>/</a:t>
             </a:r>
@@ -3163,29 +3187,6 @@
           </a:p>
         </p:txBody>
       </p:sp>
-      <p:pic>
-        <p:nvPicPr>
-          <p:cNvPr id="6" name="Picture 5"/>
-          <p:cNvPicPr>
-            <a:picLocks noChangeAspect="1"/>
-          </p:cNvPicPr>
-          <p:nvPr/>
-        </p:nvPicPr>
-        <p:blipFill rotWithShape="1">
-          <a:blip r:embed="rId4"/>
-          <a:srcRect l="56096"/>
-          <a:stretch/>
-        </p:blipFill>
-        <p:spPr>
-          <a:xfrm>
-            <a:off x="7221639" y="2031357"/>
-            <a:ext cx="4756230" cy="2979692"/>
-          </a:xfrm>
-          <a:prstGeom prst="rect">
-            <a:avLst/>
-          </a:prstGeom>
-        </p:spPr>
-      </p:pic>
     </p:spTree>
     <p:extLst>
       <p:ext uri="{BB962C8B-B14F-4D97-AF65-F5344CB8AC3E}">
@@ -4594,28 +4595,7 @@
                 <a:latin typeface="Times New Roman" panose="02020603050405020304" pitchFamily="18" charset="0"/>
                 <a:cs typeface="Times New Roman" panose="02020603050405020304" pitchFamily="18" charset="0"/>
               </a:rPr>
-              <a:t>Resample is a convenience method for resampling of a time series, and </a:t>
-            </a:r>
-            <a:r>
-              <a:rPr lang="en-US" sz="2400" dirty="0" smtClean="0">
-                <a:latin typeface="Times New Roman" panose="02020603050405020304" pitchFamily="18" charset="0"/>
-                <a:cs typeface="Times New Roman" panose="02020603050405020304" pitchFamily="18" charset="0"/>
-              </a:rPr>
-              <a:t>accepts an argument to </a:t>
-            </a:r>
-            <a:r>
-              <a:rPr lang="en-US" sz="2400" dirty="0" smtClean="0">
-                <a:latin typeface="Times New Roman" panose="02020603050405020304" pitchFamily="18" charset="0"/>
-                <a:cs typeface="Times New Roman" panose="02020603050405020304" pitchFamily="18" charset="0"/>
-              </a:rPr>
-              <a:t>indicate the periodicity – </a:t>
-            </a:r>
-            <a:r>
-              <a:rPr lang="en-US" sz="2400" dirty="0" smtClean="0">
-                <a:latin typeface="Times New Roman" panose="02020603050405020304" pitchFamily="18" charset="0"/>
-                <a:cs typeface="Times New Roman" panose="02020603050405020304" pitchFamily="18" charset="0"/>
-              </a:rPr>
-              <a:t>‘</a:t>
+              <a:t>Resample is a convenience method for resampling of a time series, and accepts an argument to indicate the periodicity – ‘</a:t>
             </a:r>
             <a:r>
               <a:rPr lang="en-US" sz="2400" b="1" dirty="0" smtClean="0">
@@ -4632,35 +4612,7 @@
                 <a:latin typeface="Times New Roman" panose="02020603050405020304" pitchFamily="18" charset="0"/>
                 <a:cs typeface="Times New Roman" panose="02020603050405020304" pitchFamily="18" charset="0"/>
               </a:rPr>
-              <a:t>’ </a:t>
-            </a:r>
-            <a:r>
-              <a:rPr lang="en-US" sz="2400" dirty="0" smtClean="0">
-                <a:latin typeface="Times New Roman" panose="02020603050405020304" pitchFamily="18" charset="0"/>
-                <a:cs typeface="Times New Roman" panose="02020603050405020304" pitchFamily="18" charset="0"/>
-              </a:rPr>
-              <a:t>being </a:t>
-            </a:r>
-            <a:r>
-              <a:rPr lang="en-US" sz="2400" dirty="0" smtClean="0">
-                <a:latin typeface="Times New Roman" panose="02020603050405020304" pitchFamily="18" charset="0"/>
-                <a:cs typeface="Times New Roman" panose="02020603050405020304" pitchFamily="18" charset="0"/>
-              </a:rPr>
-              <a:t>annual, which computes the sum </a:t>
-            </a:r>
-            <a:r>
-              <a:rPr lang="en-US" sz="2400" dirty="0" smtClean="0">
-                <a:latin typeface="Times New Roman" panose="02020603050405020304" pitchFamily="18" charset="0"/>
-                <a:cs typeface="Times New Roman" panose="02020603050405020304" pitchFamily="18" charset="0"/>
-              </a:rPr>
-              <a:t>of submissions per </a:t>
-            </a:r>
-            <a:r>
-              <a:rPr lang="en-US" sz="2400" dirty="0" smtClean="0">
-                <a:latin typeface="Times New Roman" panose="02020603050405020304" pitchFamily="18" charset="0"/>
-                <a:cs typeface="Times New Roman" panose="02020603050405020304" pitchFamily="18" charset="0"/>
-              </a:rPr>
-              <a:t>year. </a:t>
+              <a:t>’ being annual, which computes the sum of submissions per year. </a:t>
             </a:r>
             <a:endParaRPr lang="en-US" sz="2400" dirty="0">
               <a:latin typeface="Times New Roman" panose="02020603050405020304" pitchFamily="18" charset="0"/>
